--- a/Quantum & Qiskit/2_Qubit_Gate_Circuit_Measurement.pptx
+++ b/Quantum & Qiskit/2_Qubit_Gate_Circuit_Measurement.pptx
@@ -5,10 +5,10 @@
     <p:sldMasterId id="2147483648" r:id="rId1"/>
   </p:sldMasterIdLst>
   <p:notesMasterIdLst>
-    <p:notesMasterId r:id="rId24"/>
+    <p:notesMasterId r:id="rId25"/>
   </p:notesMasterIdLst>
   <p:handoutMasterIdLst>
-    <p:handoutMasterId r:id="rId25"/>
+    <p:handoutMasterId r:id="rId26"/>
   </p:handoutMasterIdLst>
   <p:sldIdLst>
     <p:sldId id="256" r:id="rId2"/>
@@ -31,8 +31,9 @@
     <p:sldId id="273" r:id="rId19"/>
     <p:sldId id="274" r:id="rId20"/>
     <p:sldId id="275" r:id="rId21"/>
-    <p:sldId id="276" r:id="rId22"/>
-    <p:sldId id="277" r:id="rId23"/>
+    <p:sldId id="278" r:id="rId22"/>
+    <p:sldId id="276" r:id="rId23"/>
+    <p:sldId id="277" r:id="rId24"/>
   </p:sldIdLst>
   <p:sldSz cx="12192000" cy="6858000"/>
   <p:notesSz cx="12192000" cy="6858000"/>
@@ -33570,6 +33571,192 @@
 </file>
 
 <file path=ppt/slides/slide21.xml><?xml version="1.0" encoding="utf-8"?>
+<p:sld xmlns:a="http://schemas.openxmlformats.org/drawingml/2006/main" xmlns:r="http://schemas.openxmlformats.org/officeDocument/2006/relationships" xmlns:p="http://schemas.openxmlformats.org/presentationml/2006/main">
+  <p:cSld>
+    <p:spTree>
+      <p:nvGrpSpPr>
+        <p:cNvPr id="1" name=""/>
+        <p:cNvGrpSpPr/>
+        <p:nvPr/>
+      </p:nvGrpSpPr>
+      <p:grpSpPr>
+        <a:xfrm>
+          <a:off x="0" y="0"/>
+          <a:ext cx="0" cy="0"/>
+          <a:chOff x="0" y="0"/>
+          <a:chExt cx="0" cy="0"/>
+        </a:xfrm>
+      </p:grpSpPr>
+      <p:sp>
+        <p:nvSpPr>
+          <p:cNvPr id="2" name="Title 1">
+            <a:extLst>
+              <a:ext uri="{FF2B5EF4-FFF2-40B4-BE49-F238E27FC236}">
+                <a16:creationId xmlns:a16="http://schemas.microsoft.com/office/drawing/2014/main" id="{AE1BB8E8-25C3-4692-B342-C45B804129AF}"/>
+              </a:ext>
+            </a:extLst>
+          </p:cNvPr>
+          <p:cNvSpPr>
+            <a:spLocks noGrp="1"/>
+          </p:cNvSpPr>
+          <p:nvPr>
+            <p:ph type="title"/>
+          </p:nvPr>
+        </p:nvSpPr>
+        <p:spPr>
+          <a:xfrm>
+            <a:off x="274726" y="203403"/>
+            <a:ext cx="8808059" cy="492443"/>
+          </a:xfrm>
+        </p:spPr>
+        <p:txBody>
+          <a:bodyPr/>
+          <a:lstStyle/>
+          <a:p>
+            <a:r>
+              <a:rPr lang="en-US" spc="55" dirty="0"/>
+              <a:t>IBM Cloud Account and Qiskit Coding</a:t>
+            </a:r>
+            <a:endParaRPr lang="en-US" dirty="0"/>
+          </a:p>
+        </p:txBody>
+      </p:sp>
+      <p:sp>
+        <p:nvSpPr>
+          <p:cNvPr id="3" name="Text Placeholder 2">
+            <a:extLst>
+              <a:ext uri="{FF2B5EF4-FFF2-40B4-BE49-F238E27FC236}">
+                <a16:creationId xmlns:a16="http://schemas.microsoft.com/office/drawing/2014/main" id="{114A2508-49F9-4598-9FC9-D1AEB3AF418F}"/>
+              </a:ext>
+            </a:extLst>
+          </p:cNvPr>
+          <p:cNvSpPr>
+            <a:spLocks noGrp="1"/>
+          </p:cNvSpPr>
+          <p:nvPr>
+            <p:ph type="body" idx="1"/>
+          </p:nvPr>
+        </p:nvSpPr>
+        <p:spPr>
+          <a:xfrm>
+            <a:off x="274726" y="1605178"/>
+            <a:ext cx="10475595" cy="4308872"/>
+          </a:xfrm>
+        </p:spPr>
+        <p:txBody>
+          <a:bodyPr/>
+          <a:lstStyle/>
+          <a:p>
+            <a:pPr marL="457200" indent="-457200">
+              <a:buFont typeface="Arial" panose="020B0604020202020204" pitchFamily="34" charset="0"/>
+              <a:buChar char="•"/>
+            </a:pPr>
+            <a:r>
+              <a:rPr lang="en-US" dirty="0"/>
+              <a:t>In order to access IBM QPU, an IBM cloud account is needed since July 1, 2025</a:t>
+            </a:r>
+          </a:p>
+          <a:p>
+            <a:r>
+              <a:rPr lang="en-US"/>
+              <a:t>      </a:t>
+            </a:r>
+            <a:r>
+              <a:rPr lang="en-US">
+                <a:hlinkClick r:id="rId2"/>
+              </a:rPr>
+              <a:t>https://quantum.cloud.ibm.com/docs/en/guides/cloud-setup</a:t>
+            </a:r>
+            <a:endParaRPr lang="en-US" dirty="0"/>
+          </a:p>
+          <a:p>
+            <a:pPr marL="457200" indent="-457200">
+              <a:buFont typeface="Arial" panose="020B0604020202020204" pitchFamily="34" charset="0"/>
+              <a:buChar char="•"/>
+            </a:pPr>
+            <a:r>
+              <a:rPr lang="en-US" dirty="0"/>
+              <a:t>IBM Open (free access), Paid Plans, and Flex Plan (new)</a:t>
+            </a:r>
+          </a:p>
+          <a:p>
+            <a:r>
+              <a:rPr lang="en-US" dirty="0"/>
+              <a:t>      </a:t>
+            </a:r>
+            <a:r>
+              <a:rPr lang="en-US" dirty="0">
+                <a:hlinkClick r:id="rId3"/>
+              </a:rPr>
+              <a:t>https://www.ibm.com/quantum/pricing</a:t>
+            </a:r>
+            <a:endParaRPr lang="en-US" dirty="0"/>
+          </a:p>
+          <a:p>
+            <a:pPr marL="457200" indent="-457200">
+              <a:buFont typeface="Arial" panose="020B0604020202020204" pitchFamily="34" charset="0"/>
+              <a:buChar char="•"/>
+            </a:pPr>
+            <a:r>
+              <a:rPr lang="en-US" dirty="0"/>
+              <a:t>IBM Quantum</a:t>
+            </a:r>
+          </a:p>
+          <a:p>
+            <a:r>
+              <a:rPr lang="en-US" dirty="0"/>
+              <a:t>      </a:t>
+            </a:r>
+            <a:r>
+              <a:rPr lang="en-US" dirty="0">
+                <a:hlinkClick r:id="rId4"/>
+              </a:rPr>
+              <a:t>https://quantum.cloud.ibm.com/</a:t>
+            </a:r>
+            <a:endParaRPr lang="en-US" dirty="0"/>
+          </a:p>
+          <a:p>
+            <a:pPr marL="457200" indent="-457200">
+              <a:buFont typeface="Arial" panose="020B0604020202020204" pitchFamily="34" charset="0"/>
+              <a:buChar char="•"/>
+            </a:pPr>
+            <a:r>
+              <a:rPr lang="en-US" dirty="0"/>
+              <a:t>Qiskit Coding</a:t>
+            </a:r>
+          </a:p>
+          <a:p>
+            <a:r>
+              <a:rPr lang="en-US" dirty="0"/>
+              <a:t>      </a:t>
+            </a:r>
+            <a:r>
+              <a:rPr lang="en-US" dirty="0">
+                <a:hlinkClick r:id="rId5"/>
+              </a:rPr>
+              <a:t>https://youtu.be/oaAjxcIFLtM?feature=shared</a:t>
+            </a:r>
+            <a:endParaRPr lang="en-US" dirty="0"/>
+          </a:p>
+          <a:p>
+            <a:endParaRPr lang="en-US" dirty="0"/>
+          </a:p>
+        </p:txBody>
+      </p:sp>
+    </p:spTree>
+    <p:extLst>
+      <p:ext uri="{BB962C8B-B14F-4D97-AF65-F5344CB8AC3E}">
+        <p14:creationId xmlns:p14="http://schemas.microsoft.com/office/powerpoint/2010/main" val="63968023"/>
+      </p:ext>
+    </p:extLst>
+  </p:cSld>
+  <p:clrMapOvr>
+    <a:masterClrMapping/>
+  </p:clrMapOvr>
+</p:sld>
+</file>
+
+<file path=ppt/slides/slide22.xml><?xml version="1.0" encoding="utf-8"?>
 <p:sld xmlns:a="http://schemas.openxmlformats.org/drawingml/2006/main" xmlns:r="http://schemas.openxmlformats.org/officeDocument/2006/relationships" xmlns:p="http://schemas.openxmlformats.org/presentationml/2006/main" showMasterSp="0">
   <p:cSld>
     <p:spTree>
@@ -33597,6 +33784,10 @@
           </p:nvPr>
         </p:nvSpPr>
         <p:spPr>
+          <a:xfrm>
+            <a:off x="274726" y="203403"/>
+            <a:ext cx="8808059" cy="505908"/>
+          </a:xfrm>
           <a:prstGeom prst="rect">
             <a:avLst/>
           </a:prstGeom>
@@ -33616,16 +33807,8 @@
               </a:spcBef>
             </a:pPr>
             <a:r>
-              <a:rPr spc="175" dirty="0"/>
-              <a:t>Hands</a:t>
-            </a:r>
-            <a:r>
-              <a:rPr spc="20" dirty="0"/>
-              <a:t> </a:t>
-            </a:r>
-            <a:r>
-              <a:rPr spc="55" dirty="0"/>
-              <a:t>on</a:t>
+              <a:rPr lang="en-US" spc="55" dirty="0"/>
+              <a:t>Set up your IBM Cloud account</a:t>
             </a:r>
           </a:p>
         </p:txBody>
@@ -33638,7 +33821,7 @@
 </p:sld>
 </file>
 
-<file path=ppt/slides/slide22.xml><?xml version="1.0" encoding="utf-8"?>
+<file path=ppt/slides/slide23.xml><?xml version="1.0" encoding="utf-8"?>
 <p:sld xmlns:a="http://schemas.openxmlformats.org/drawingml/2006/main" xmlns:r="http://schemas.openxmlformats.org/officeDocument/2006/relationships" xmlns:p="http://schemas.openxmlformats.org/presentationml/2006/main" showMasterSp="0">
   <p:cSld>
     <p:spTree>
